--- a/JSM 2021 Presentation.pptx
+++ b/JSM 2021 Presentation.pptx
@@ -3453,7 +3453,7 @@
           <a:p>
             <a:fld id="{2725302E-2955-4848-B025-638B713BD72A}" type="datetimeFigureOut">
               <a:rPr lang="en-US" smtClean="0"/>
-              <a:t>6/30/21</a:t>
+              <a:t>8/7/21</a:t>
             </a:fld>
             <a:endParaRPr lang="en-US"/>
           </a:p>
@@ -4314,6 +4314,90 @@
 </p:notes>
 </file>
 
+<file path=ppt/notesSlides/notesSlide8.xml><?xml version="1.0" encoding="utf-8"?>
+<p:notes xmlns:a="http://schemas.openxmlformats.org/drawingml/2006/main" xmlns:r="http://schemas.openxmlformats.org/officeDocument/2006/relationships" xmlns:p="http://schemas.openxmlformats.org/presentationml/2006/main">
+  <p:cSld>
+    <p:spTree>
+      <p:nvGrpSpPr>
+        <p:cNvPr id="1" name=""/>
+        <p:cNvGrpSpPr/>
+        <p:nvPr/>
+      </p:nvGrpSpPr>
+      <p:grpSpPr>
+        <a:xfrm>
+          <a:off x="0" y="0"/>
+          <a:ext cx="0" cy="0"/>
+          <a:chOff x="0" y="0"/>
+          <a:chExt cx="0" cy="0"/>
+        </a:xfrm>
+      </p:grpSpPr>
+      <p:sp>
+        <p:nvSpPr>
+          <p:cNvPr id="2" name="Slide Image Placeholder 1"/>
+          <p:cNvSpPr>
+            <a:spLocks noGrp="1" noRot="1" noChangeAspect="1"/>
+          </p:cNvSpPr>
+          <p:nvPr>
+            <p:ph type="sldImg"/>
+          </p:nvPr>
+        </p:nvSpPr>
+        <p:spPr/>
+      </p:sp>
+      <p:sp>
+        <p:nvSpPr>
+          <p:cNvPr id="3" name="Notes Placeholder 2"/>
+          <p:cNvSpPr>
+            <a:spLocks noGrp="1"/>
+          </p:cNvSpPr>
+          <p:nvPr>
+            <p:ph type="body" idx="1"/>
+          </p:nvPr>
+        </p:nvSpPr>
+        <p:spPr/>
+        <p:txBody>
+          <a:bodyPr/>
+          <a:lstStyle/>
+          <a:p>
+            <a:endParaRPr lang="en-US" dirty="0"/>
+          </a:p>
+        </p:txBody>
+      </p:sp>
+      <p:sp>
+        <p:nvSpPr>
+          <p:cNvPr id="4" name="Slide Number Placeholder 3"/>
+          <p:cNvSpPr>
+            <a:spLocks noGrp="1"/>
+          </p:cNvSpPr>
+          <p:nvPr>
+            <p:ph type="sldNum" sz="quarter" idx="5"/>
+          </p:nvPr>
+        </p:nvSpPr>
+        <p:spPr/>
+        <p:txBody>
+          <a:bodyPr/>
+          <a:lstStyle/>
+          <a:p>
+            <a:fld id="{139C53EF-3B96-014C-86F8-3F7CC519F1B0}" type="slidenum">
+              <a:rPr lang="en-US" smtClean="0"/>
+              <a:t>8</a:t>
+            </a:fld>
+            <a:endParaRPr lang="en-US"/>
+          </a:p>
+        </p:txBody>
+      </p:sp>
+    </p:spTree>
+    <p:extLst>
+      <p:ext uri="{BB962C8B-B14F-4D97-AF65-F5344CB8AC3E}">
+        <p14:creationId xmlns:p14="http://schemas.microsoft.com/office/powerpoint/2010/main" val="253935571"/>
+      </p:ext>
+    </p:extLst>
+  </p:cSld>
+  <p:clrMapOvr>
+    <a:masterClrMapping/>
+  </p:clrMapOvr>
+</p:notes>
+</file>
+
 <file path=ppt/slideLayouts/slideLayout1.xml><?xml version="1.0" encoding="utf-8"?>
 <p:sldLayout xmlns:a="http://schemas.openxmlformats.org/drawingml/2006/main" xmlns:r="http://schemas.openxmlformats.org/officeDocument/2006/relationships" xmlns:p="http://schemas.openxmlformats.org/presentationml/2006/main" type="title" preserve="1">
   <p:cSld name="Title Slide">
@@ -4461,7 +4545,7 @@
           <a:p>
             <a:fld id="{FB8F4844-82E0-B642-B5BB-8DCA68BF2A54}" type="datetimeFigureOut">
               <a:rPr lang="en-US" smtClean="0"/>
-              <a:t>6/30/21</a:t>
+              <a:t>8/7/21</a:t>
             </a:fld>
             <a:endParaRPr lang="en-US"/>
           </a:p>
@@ -4659,7 +4743,7 @@
           <a:p>
             <a:fld id="{FB8F4844-82E0-B642-B5BB-8DCA68BF2A54}" type="datetimeFigureOut">
               <a:rPr lang="en-US" smtClean="0"/>
-              <a:t>6/30/21</a:t>
+              <a:t>8/7/21</a:t>
             </a:fld>
             <a:endParaRPr lang="en-US"/>
           </a:p>
@@ -4867,7 +4951,7 @@
           <a:p>
             <a:fld id="{FB8F4844-82E0-B642-B5BB-8DCA68BF2A54}" type="datetimeFigureOut">
               <a:rPr lang="en-US" smtClean="0"/>
-              <a:t>6/30/21</a:t>
+              <a:t>8/7/21</a:t>
             </a:fld>
             <a:endParaRPr lang="en-US"/>
           </a:p>
@@ -5065,7 +5149,7 @@
           <a:p>
             <a:fld id="{FB8F4844-82E0-B642-B5BB-8DCA68BF2A54}" type="datetimeFigureOut">
               <a:rPr lang="en-US" smtClean="0"/>
-              <a:t>6/30/21</a:t>
+              <a:t>8/7/21</a:t>
             </a:fld>
             <a:endParaRPr lang="en-US"/>
           </a:p>
@@ -5340,7 +5424,7 @@
           <a:p>
             <a:fld id="{FB8F4844-82E0-B642-B5BB-8DCA68BF2A54}" type="datetimeFigureOut">
               <a:rPr lang="en-US" smtClean="0"/>
-              <a:t>6/30/21</a:t>
+              <a:t>8/7/21</a:t>
             </a:fld>
             <a:endParaRPr lang="en-US"/>
           </a:p>
@@ -5605,7 +5689,7 @@
           <a:p>
             <a:fld id="{FB8F4844-82E0-B642-B5BB-8DCA68BF2A54}" type="datetimeFigureOut">
               <a:rPr lang="en-US" smtClean="0"/>
-              <a:t>6/30/21</a:t>
+              <a:t>8/7/21</a:t>
             </a:fld>
             <a:endParaRPr lang="en-US"/>
           </a:p>
@@ -6017,7 +6101,7 @@
           <a:p>
             <a:fld id="{FB8F4844-82E0-B642-B5BB-8DCA68BF2A54}" type="datetimeFigureOut">
               <a:rPr lang="en-US" smtClean="0"/>
-              <a:t>6/30/21</a:t>
+              <a:t>8/7/21</a:t>
             </a:fld>
             <a:endParaRPr lang="en-US"/>
           </a:p>
@@ -6158,7 +6242,7 @@
           <a:p>
             <a:fld id="{FB8F4844-82E0-B642-B5BB-8DCA68BF2A54}" type="datetimeFigureOut">
               <a:rPr lang="en-US" smtClean="0"/>
-              <a:t>6/30/21</a:t>
+              <a:t>8/7/21</a:t>
             </a:fld>
             <a:endParaRPr lang="en-US"/>
           </a:p>
@@ -6271,7 +6355,7 @@
           <a:p>
             <a:fld id="{FB8F4844-82E0-B642-B5BB-8DCA68BF2A54}" type="datetimeFigureOut">
               <a:rPr lang="en-US" smtClean="0"/>
-              <a:t>6/30/21</a:t>
+              <a:t>8/7/21</a:t>
             </a:fld>
             <a:endParaRPr lang="en-US"/>
           </a:p>
@@ -6582,7 +6666,7 @@
           <a:p>
             <a:fld id="{FB8F4844-82E0-B642-B5BB-8DCA68BF2A54}" type="datetimeFigureOut">
               <a:rPr lang="en-US" smtClean="0"/>
-              <a:t>6/30/21</a:t>
+              <a:t>8/7/21</a:t>
             </a:fld>
             <a:endParaRPr lang="en-US"/>
           </a:p>
@@ -6870,7 +6954,7 @@
           <a:p>
             <a:fld id="{FB8F4844-82E0-B642-B5BB-8DCA68BF2A54}" type="datetimeFigureOut">
               <a:rPr lang="en-US" smtClean="0"/>
-              <a:t>6/30/21</a:t>
+              <a:t>8/7/21</a:t>
             </a:fld>
             <a:endParaRPr lang="en-US"/>
           </a:p>
@@ -7111,7 +7195,7 @@
           <a:p>
             <a:fld id="{FB8F4844-82E0-B642-B5BB-8DCA68BF2A54}" type="datetimeFigureOut">
               <a:rPr lang="en-US" smtClean="0"/>
-              <a:t>6/30/21</a:t>
+              <a:t>8/7/21</a:t>
             </a:fld>
             <a:endParaRPr lang="en-US"/>
           </a:p>
@@ -10600,36 +10684,6 @@
           </a:p>
         </p:txBody>
       </p:sp>
-      <p:pic>
-        <p:nvPicPr>
-          <p:cNvPr id="5" name="Content Placeholder 4" descr="Chart, histogram&#10;&#10;Description automatically generated">
-            <a:extLst>
-              <a:ext uri="{FF2B5EF4-FFF2-40B4-BE49-F238E27FC236}">
-                <a16:creationId xmlns:a16="http://schemas.microsoft.com/office/drawing/2014/main" id="{30064304-E46E-3849-A608-DABAB9E6258E}"/>
-              </a:ext>
-            </a:extLst>
-          </p:cNvPr>
-          <p:cNvPicPr>
-            <a:picLocks noChangeAspect="1"/>
-          </p:cNvPicPr>
-          <p:nvPr/>
-        </p:nvPicPr>
-        <p:blipFill>
-          <a:blip r:embed="rId3"/>
-          <a:stretch>
-            <a:fillRect/>
-          </a:stretch>
-        </p:blipFill>
-        <p:spPr>
-          <a:xfrm>
-            <a:off x="0" y="1877021"/>
-            <a:ext cx="7113335" cy="4961550"/>
-          </a:xfrm>
-          <a:prstGeom prst="rect">
-            <a:avLst/>
-          </a:prstGeom>
-        </p:spPr>
-      </p:pic>
       <p:sp>
         <p:nvSpPr>
           <p:cNvPr id="9" name="Content Placeholder 8">
@@ -10865,6 +10919,36 @@
           </p:txBody>
         </p:sp>
       </p:grpSp>
+      <p:pic>
+        <p:nvPicPr>
+          <p:cNvPr id="3" name="Picture 2">
+            <a:extLst>
+              <a:ext uri="{FF2B5EF4-FFF2-40B4-BE49-F238E27FC236}">
+                <a16:creationId xmlns:a16="http://schemas.microsoft.com/office/drawing/2014/main" id="{8EC37ADD-AC26-4649-B2B4-073875F3B4B9}"/>
+              </a:ext>
+            </a:extLst>
+          </p:cNvPr>
+          <p:cNvPicPr>
+            <a:picLocks noChangeAspect="1"/>
+          </p:cNvPicPr>
+          <p:nvPr/>
+        </p:nvPicPr>
+        <p:blipFill>
+          <a:blip r:embed="rId3"/>
+          <a:stretch>
+            <a:fillRect/>
+          </a:stretch>
+        </p:blipFill>
+        <p:spPr>
+          <a:xfrm>
+            <a:off x="0" y="2201756"/>
+            <a:ext cx="6900583" cy="4580645"/>
+          </a:xfrm>
+          <a:prstGeom prst="rect">
+            <a:avLst/>
+          </a:prstGeom>
+        </p:spPr>
+      </p:pic>
     </p:spTree>
     <p:extLst>
       <p:ext uri="{BB962C8B-B14F-4D97-AF65-F5344CB8AC3E}">

--- a/JSM 2021 Presentation.pptx
+++ b/JSM 2021 Presentation.pptx
@@ -3453,7 +3453,7 @@
           <a:p>
             <a:fld id="{2725302E-2955-4848-B025-638B713BD72A}" type="datetimeFigureOut">
               <a:rPr lang="en-US" smtClean="0"/>
-              <a:t>8/7/21</a:t>
+              <a:t>8/10/2021</a:t>
             </a:fld>
             <a:endParaRPr lang="en-US"/>
           </a:p>
@@ -3853,7 +3853,7 @@
           <a:p>
             <a:r>
               <a:rPr lang="en-US" dirty="0"/>
-              <a:t>"It was the best of times, it was the worst of times, it was the age of wisdom, it was the age of foolishness, it was the epoch of belief, it was the epoch of incredulity, it was the season of Light, it was the season of Darkness, it was the spring of hope, it was the winter of despair, we had everything before us, we had nothing before us, we were all going direct to Heaven, we were all going direct the other way—in short, the period was so far like the present period, that some of its noisiest authorities insisted on its being received, for good or for evil, in the superlative degree of comparison only.” Are we in contrasting times of extremes? What can make the difference between the best of times and the worst of times? First and foremost, how we communicate or the stories we tell define how our analytics are used, whether we create champions, or if we just become a story they tell. In this presentation I will </a:t>
+              <a:t>"It was the best of times, it was the worst of times, it was the age of wisdom, it was the age of foolishness, it was the epoch of belief, it was the epoch of incredulity, it was the season of Light, it was the season of Darkness, it was the spring of hope, it was the winter of despair, we had everything before us, we had nothing before us, we were all going direct to Heaven, we were all going direct the other way—in short, the period was so far like the present period, that some of its noisiest authorities insisted on its being received, for good or for evil, in the superlative degree of comparison only.” Are we in contrasting times of extremes? What can make the difference between the best of times and the worst of times? First and foremost, how we communicate or the stories we tell define how our analytics are used, whether we create champions, or if we just become a story they tell. In this presentation I will tell some of my own stories.</a:t>
             </a:r>
           </a:p>
         </p:txBody>
@@ -3938,7 +3938,10 @@
           <a:bodyPr/>
           <a:lstStyle/>
           <a:p>
-            <a:endParaRPr lang="en-US" dirty="0"/>
+            <a:r>
+              <a:rPr lang="en-US" dirty="0"/>
+              <a:t>I don’t think it matters who you are or what you background is as professionals we must quantify uncertainty and do it in a way that encourages champions. I like to use visualizations and even comics to tell stories to get buy in and partners in data science.</a:t>
+            </a:r>
           </a:p>
         </p:txBody>
       </p:sp>
@@ -4022,7 +4025,10 @@
           <a:bodyPr/>
           <a:lstStyle/>
           <a:p>
-            <a:endParaRPr lang="en-US" dirty="0"/>
+            <a:r>
+              <a:rPr lang="en-US" dirty="0"/>
+              <a:t>It was a pleasure to p-value. We have all been there, and at one time I was probably the worst offender. Its easy to p-value when everything is significance and significance can be whatever you want. I was consulting for the university I was working for and regularly I had research come to me asking about the significance of their tests and what it meant. The first thing I would ask them is “You tell me what it means. You defined what is meaningful in the test.” Let's just say I got a funny look after that and walked out of my office. I didn’t see him again until he found out I was doing power analyses with one of his colleagues. </a:t>
+            </a:r>
           </a:p>
         </p:txBody>
       </p:sp>
@@ -4106,7 +4112,10 @@
           <a:bodyPr/>
           <a:lstStyle/>
           <a:p>
-            <a:endParaRPr lang="en-US" dirty="0"/>
+            <a:r>
+              <a:rPr lang="en-US" dirty="0"/>
+              <a:t>I am glad my salary wasn’t directly tied to my consulting work. This researcher came back asking why I was providing his colleague all these meaningful analyses. My response was that in hypothesis testing we create a world that has meaning. If we can not tie the world of the null back to our reality the meaningful world, we created has no meaning in our own. I got another perplexed look. I elaborated that we create a nonexistent world of the null hypothesis by using assumptions, and then we design the way in which it has meaning. If your test isn’t designed with practical significance, it will never be significant. A p-value is just a number its just math and doesn’t have meaning until we make it meaningful. Alpha doesn’t always have to be 0.05 and sometimes the sample size is determined for us. The hypothesis test should measure our decision not the framework we think we are forced into. In the end the researcher started looking at his problems a different way and overloaded me with power analyses.</a:t>
+            </a:r>
           </a:p>
         </p:txBody>
       </p:sp>
@@ -4190,7 +4199,18 @@
           <a:bodyPr/>
           <a:lstStyle/>
           <a:p>
-            <a:endParaRPr lang="en-US" dirty="0"/>
+            <a:r>
+              <a:rPr lang="en-US" dirty="0"/>
+              <a:t>All good predictive models are alike; each bad predictive model is bad in its own way. I find there are a lot of non-analytics leaders think all models are good and they can be used. Why do we need to check assumptions? Why do we need to plot the data? I had a leader come to my office wanting me to figure out why their linear model on excel was not working very well. They hadn’t run any diagnostics on their data or plotted it. I pulled out </a:t>
+            </a:r>
+            <a:r>
+              <a:rPr lang="en-US" dirty="0" err="1"/>
+              <a:t>Anscombs’s</a:t>
+            </a:r>
+            <a:r>
+              <a:rPr lang="en-US" dirty="0"/>
+              <a:t> Quartet.</a:t>
+            </a:r>
           </a:p>
         </p:txBody>
       </p:sp>
@@ -4274,6 +4294,14 @@
           <a:bodyPr/>
           <a:lstStyle/>
           <a:p>
+            <a:r>
+              <a:rPr lang="en-US" dirty="0"/>
+              <a:t>Her we have four data sets and when we apply linear regression, we get the same mean, variance, correlation, regression line, and coefficient of determination. Only one of the cases is the line truly appropriate. I sold the leader on looking at the data and running diagnostics. I ended up getting a week of sleepless nights doing an analysis for that leader. There are a few more datasets like this that also create interesting results</a:t>
+            </a:r>
+            <a:r>
+              <a:rPr lang="en-US"/>
+              <a:t>. </a:t>
+            </a:r>
             <a:endParaRPr lang="en-US" dirty="0"/>
           </a:p>
         </p:txBody>
@@ -4545,7 +4573,7 @@
           <a:p>
             <a:fld id="{FB8F4844-82E0-B642-B5BB-8DCA68BF2A54}" type="datetimeFigureOut">
               <a:rPr lang="en-US" smtClean="0"/>
-              <a:t>8/7/21</a:t>
+              <a:t>8/10/2021</a:t>
             </a:fld>
             <a:endParaRPr lang="en-US"/>
           </a:p>
@@ -4743,7 +4771,7 @@
           <a:p>
             <a:fld id="{FB8F4844-82E0-B642-B5BB-8DCA68BF2A54}" type="datetimeFigureOut">
               <a:rPr lang="en-US" smtClean="0"/>
-              <a:t>8/7/21</a:t>
+              <a:t>8/10/2021</a:t>
             </a:fld>
             <a:endParaRPr lang="en-US"/>
           </a:p>
@@ -4951,7 +4979,7 @@
           <a:p>
             <a:fld id="{FB8F4844-82E0-B642-B5BB-8DCA68BF2A54}" type="datetimeFigureOut">
               <a:rPr lang="en-US" smtClean="0"/>
-              <a:t>8/7/21</a:t>
+              <a:t>8/10/2021</a:t>
             </a:fld>
             <a:endParaRPr lang="en-US"/>
           </a:p>
@@ -5149,7 +5177,7 @@
           <a:p>
             <a:fld id="{FB8F4844-82E0-B642-B5BB-8DCA68BF2A54}" type="datetimeFigureOut">
               <a:rPr lang="en-US" smtClean="0"/>
-              <a:t>8/7/21</a:t>
+              <a:t>8/10/2021</a:t>
             </a:fld>
             <a:endParaRPr lang="en-US"/>
           </a:p>
@@ -5424,7 +5452,7 @@
           <a:p>
             <a:fld id="{FB8F4844-82E0-B642-B5BB-8DCA68BF2A54}" type="datetimeFigureOut">
               <a:rPr lang="en-US" smtClean="0"/>
-              <a:t>8/7/21</a:t>
+              <a:t>8/10/2021</a:t>
             </a:fld>
             <a:endParaRPr lang="en-US"/>
           </a:p>
@@ -5689,7 +5717,7 @@
           <a:p>
             <a:fld id="{FB8F4844-82E0-B642-B5BB-8DCA68BF2A54}" type="datetimeFigureOut">
               <a:rPr lang="en-US" smtClean="0"/>
-              <a:t>8/7/21</a:t>
+              <a:t>8/10/2021</a:t>
             </a:fld>
             <a:endParaRPr lang="en-US"/>
           </a:p>
@@ -6101,7 +6129,7 @@
           <a:p>
             <a:fld id="{FB8F4844-82E0-B642-B5BB-8DCA68BF2A54}" type="datetimeFigureOut">
               <a:rPr lang="en-US" smtClean="0"/>
-              <a:t>8/7/21</a:t>
+              <a:t>8/10/2021</a:t>
             </a:fld>
             <a:endParaRPr lang="en-US"/>
           </a:p>
@@ -6242,7 +6270,7 @@
           <a:p>
             <a:fld id="{FB8F4844-82E0-B642-B5BB-8DCA68BF2A54}" type="datetimeFigureOut">
               <a:rPr lang="en-US" smtClean="0"/>
-              <a:t>8/7/21</a:t>
+              <a:t>8/10/2021</a:t>
             </a:fld>
             <a:endParaRPr lang="en-US"/>
           </a:p>
@@ -6355,7 +6383,7 @@
           <a:p>
             <a:fld id="{FB8F4844-82E0-B642-B5BB-8DCA68BF2A54}" type="datetimeFigureOut">
               <a:rPr lang="en-US" smtClean="0"/>
-              <a:t>8/7/21</a:t>
+              <a:t>8/10/2021</a:t>
             </a:fld>
             <a:endParaRPr lang="en-US"/>
           </a:p>
@@ -6666,7 +6694,7 @@
           <a:p>
             <a:fld id="{FB8F4844-82E0-B642-B5BB-8DCA68BF2A54}" type="datetimeFigureOut">
               <a:rPr lang="en-US" smtClean="0"/>
-              <a:t>8/7/21</a:t>
+              <a:t>8/10/2021</a:t>
             </a:fld>
             <a:endParaRPr lang="en-US"/>
           </a:p>
@@ -6954,7 +6982,7 @@
           <a:p>
             <a:fld id="{FB8F4844-82E0-B642-B5BB-8DCA68BF2A54}" type="datetimeFigureOut">
               <a:rPr lang="en-US" smtClean="0"/>
-              <a:t>8/7/21</a:t>
+              <a:t>8/10/2021</a:t>
             </a:fld>
             <a:endParaRPr lang="en-US"/>
           </a:p>
@@ -7195,7 +7223,7 @@
           <a:p>
             <a:fld id="{FB8F4844-82E0-B642-B5BB-8DCA68BF2A54}" type="datetimeFigureOut">
               <a:rPr lang="en-US" smtClean="0"/>
-              <a:t>8/7/21</a:t>
+              <a:t>8/10/2021</a:t>
             </a:fld>
             <a:endParaRPr lang="en-US"/>
           </a:p>
@@ -10941,7 +10969,7 @@
         </p:blipFill>
         <p:spPr>
           <a:xfrm>
-            <a:off x="0" y="2201756"/>
+            <a:off x="0" y="2257041"/>
             <a:ext cx="6900583" cy="4580645"/>
           </a:xfrm>
           <a:prstGeom prst="rect">

--- a/JSM 2021 Presentation.pptx
+++ b/JSM 2021 Presentation.pptx
@@ -3453,7 +3453,7 @@
           <a:p>
             <a:fld id="{2725302E-2955-4848-B025-638B713BD72A}" type="datetimeFigureOut">
               <a:rPr lang="en-US" smtClean="0"/>
-              <a:t>8/10/2021</a:t>
+              <a:t>8/10/21</a:t>
             </a:fld>
             <a:endParaRPr lang="en-US"/>
           </a:p>
@@ -3853,7 +3853,7 @@
           <a:p>
             <a:r>
               <a:rPr lang="en-US" dirty="0"/>
-              <a:t>"It was the best of times, it was the worst of times, it was the age of wisdom, it was the age of foolishness, it was the epoch of belief, it was the epoch of incredulity, it was the season of Light, it was the season of Darkness, it was the spring of hope, it was the winter of despair, we had everything before us, we had nothing before us, we were all going direct to Heaven, we were all going direct the other way—in short, the period was so far like the present period, that some of its noisiest authorities insisted on its being received, for good or for evil, in the superlative degree of comparison only.” Are we in contrasting times of extremes? What can make the difference between the best of times and the worst of times? First and foremost, how we communicate or the stories we tell define how our analytics are used, whether we create champions, or if we just become a story they tell. In this presentation I will tell some of my own stories.</a:t>
+              <a:t>"It was the best of times, it was the worst of times, it was the age of wisdom, it was the age of foolishness, it was the epoch of belief, it was the epoch of incredulity, it was the season of Light, it was the season of Darkness, it was the spring of hope, it was the winter of despair, we had everything before us, we had nothing before us, we were all going direct to Heaven, we were all going direct the other way—in short, the period was so far like the present period, that some of its noisiest authorities insisted on its being received, for good or for evil, in the superlative degree of comparison only.” Are we in contrasting times of extremes? What can make the difference between the best of times and the worst of times? First and foremost, how we communicate or the stories we tell define how our analytics are used, whether we create champions, or if we just become a story they tell. Prefaced by a twist on first lines of well-known novels I present some of my interactions with leaders, researchers, and the business.</a:t>
             </a:r>
           </a:p>
         </p:txBody>
@@ -3940,7 +3940,7 @@
           <a:p>
             <a:r>
               <a:rPr lang="en-US" dirty="0"/>
-              <a:t>I don’t think it matters who you are or what you background is as professionals we must quantify uncertainty and do it in a way that encourages champions. I like to use visualizations and even comics to tell stories to get buy in and partners in data science.</a:t>
+              <a:t>I don’t think it matters who you are or what your background is. As professionals we must quantify uncertainty and do it in a way that encourages champions and develops meaningful relationships. I like to use visualizations and even comics to tell stories to get buy in and partners in the work I perform.</a:t>
             </a:r>
           </a:p>
         </p:txBody>
@@ -4027,7 +4027,7 @@
           <a:p>
             <a:r>
               <a:rPr lang="en-US" dirty="0"/>
-              <a:t>It was a pleasure to p-value. We have all been there, and at one time I was probably the worst offender. Its easy to p-value when everything is significance and significance can be whatever you want. I was consulting for the university I was working for and regularly I had research come to me asking about the significance of their tests and what it meant. The first thing I would ask them is “You tell me what it means. You defined what is meaningful in the test.” Let's just say I got a funny look after that and walked out of my office. I didn’t see him again until he found out I was doing power analyses with one of his colleagues. </a:t>
+              <a:t>It was a pleasure to p-value. We have all been there, and at one time I was probably the worst offender. Its easy to p-value when everything is significant, and significance can be whatever you want. I start this with a story where I was consulting for a university I was working for and regularly I had researchers come to me asking about the significance of their tests and what it meant. The first thing I would ask them is “You tell me what it means. You defined what is meaningful in the test.” Let's just say I got a funny looks after that and many walked out of my office. I can be a pain. One of the more interesting interactions a researcher came back after they found out I was producing work for their colleague.</a:t>
             </a:r>
           </a:p>
         </p:txBody>
@@ -4114,7 +4114,7 @@
           <a:p>
             <a:r>
               <a:rPr lang="en-US" dirty="0"/>
-              <a:t>I am glad my salary wasn’t directly tied to my consulting work. This researcher came back asking why I was providing his colleague all these meaningful analyses. My response was that in hypothesis testing we create a world that has meaning. If we can not tie the world of the null back to our reality the meaningful world, we created has no meaning in our own. I got another perplexed look. I elaborated that we create a nonexistent world of the null hypothesis by using assumptions, and then we design the way in which it has meaning. If your test isn’t designed with practical significance, it will never be significant. A p-value is just a number its just math and doesn’t have meaning until we make it meaningful. Alpha doesn’t always have to be 0.05 and sometimes the sample size is determined for us. The hypothesis test should measure our decision not the framework we think we are forced into. In the end the researcher started looking at his problems a different way and overloaded me with power analyses.</a:t>
+              <a:t>I am glad my salary wasn’t directly tied to my consulting work. This researcher came back asking why I was providing his colleague all these meaningful analyses and wouldn’t do it for him.  My response was that in hypothesis testing we create a world that has meaning. If we can not tie the world of the null back to our reality the meaningful world, what we created has no meaning in our own. I got another perplexed look. I elaborated that we create a nonexistent world of the null hypothesis by using assumptions, and then we design the way in which it has meaning. If your test isn’t designed with practical significance, it will never be significant in our reality. A p-value is just a number, its just math and doesn’t have meaning until we make it meaningful. Alpha doesn’t always have to be 0.05 and sometimes the sample size is determined for us. The hypothesis test should measure our decision not the framework we think we are forced into. In the end the researcher started looking at his problems a different way and overloaded me with analyses. The moral of the story is that we should take advantage of power analyses to develop testing that has meaning to the business.</a:t>
             </a:r>
           </a:p>
         </p:txBody>
@@ -4201,7 +4201,7 @@
           <a:p>
             <a:r>
               <a:rPr lang="en-US" dirty="0"/>
-              <a:t>All good predictive models are alike; each bad predictive model is bad in its own way. I find there are a lot of non-analytics leaders think all models are good and they can be used. Why do we need to check assumptions? Why do we need to plot the data? I had a leader come to my office wanting me to figure out why their linear model on excel was not working very well. They hadn’t run any diagnostics on their data or plotted it. I pulled out </a:t>
+              <a:t>All good predictive models are alike; each bad predictive model is bad in its own way. I find there are a lot of non-analytics leaders that think all models are good and they can be used in all circumstances. Why do we need to check assumptions? Why do we need to plot the data? I had a leader come to my office wanting me to figure out why their linear model on excel was not working very well. They hadn’t run any diagnostics on their data or plotted it. I pulled out </a:t>
             </a:r>
             <a:r>
               <a:rPr lang="en-US" dirty="0" err="1"/>
@@ -4209,7 +4209,7 @@
             </a:r>
             <a:r>
               <a:rPr lang="en-US" dirty="0"/>
-              <a:t> Quartet.</a:t>
+              <a:t> Quartet. I was being a pain again.</a:t>
             </a:r>
           </a:p>
         </p:txBody>
@@ -4296,13 +4296,8 @@
           <a:p>
             <a:r>
               <a:rPr lang="en-US" dirty="0"/>
-              <a:t>Her we have four data sets and when we apply linear regression, we get the same mean, variance, correlation, regression line, and coefficient of determination. Only one of the cases is the line truly appropriate. I sold the leader on looking at the data and running diagnostics. I ended up getting a week of sleepless nights doing an analysis for that leader. There are a few more datasets like this that also create interesting results</a:t>
+              <a:t>Here we have four data sets and when we apply linear regression, we get the same mean, variance, correlation, regression line, and coefficient of determination. Only one of the cases is the line truly appropriate. I showed this quartet to the leader and asked, “Would you being willing to take the same risks on each of these models? What risk are you willing to take on your model?” Afterwards I was volunteered to perform the analysis that they needed. They were used to used to interacting with me, so the animosity was friendly.</a:t>
             </a:r>
-            <a:r>
-              <a:rPr lang="en-US"/>
-              <a:t>. </a:t>
-            </a:r>
-            <a:endParaRPr lang="en-US" dirty="0"/>
           </a:p>
         </p:txBody>
       </p:sp>
@@ -4386,7 +4381,10 @@
           <a:bodyPr/>
           <a:lstStyle/>
           <a:p>
-            <a:endParaRPr lang="en-US" dirty="0"/>
+            <a:r>
+              <a:rPr lang="en-US" dirty="0"/>
+              <a:t>It is a truth universally acknowledged, that a business in possession of data, must be in want of a data scientist. Everybody wants to collect data, and if you have data, you must need a model that can predict something.  This always goes a few ways for me. The business wants to solve a problem that doesn’t really exist such as creating an HR model to predict displacements. The drive-by where you have an initial meeting and never here from the customer again until they want their deliverable. Just as bad as the first the business might want you to find the needle in the haystack. </a:t>
+            </a:r>
           </a:p>
         </p:txBody>
       </p:sp>
@@ -4417,6 +4415,98 @@
     <p:extLst>
       <p:ext uri="{BB962C8B-B14F-4D97-AF65-F5344CB8AC3E}">
         <p14:creationId xmlns:p14="http://schemas.microsoft.com/office/powerpoint/2010/main" val="253935571"/>
+      </p:ext>
+    </p:extLst>
+  </p:cSld>
+  <p:clrMapOvr>
+    <a:masterClrMapping/>
+  </p:clrMapOvr>
+</p:notes>
+</file>
+
+<file path=ppt/notesSlides/notesSlide9.xml><?xml version="1.0" encoding="utf-8"?>
+<p:notes xmlns:a="http://schemas.openxmlformats.org/drawingml/2006/main" xmlns:r="http://schemas.openxmlformats.org/officeDocument/2006/relationships" xmlns:p="http://schemas.openxmlformats.org/presentationml/2006/main">
+  <p:cSld>
+    <p:spTree>
+      <p:nvGrpSpPr>
+        <p:cNvPr id="1" name=""/>
+        <p:cNvGrpSpPr/>
+        <p:nvPr/>
+      </p:nvGrpSpPr>
+      <p:grpSpPr>
+        <a:xfrm>
+          <a:off x="0" y="0"/>
+          <a:ext cx="0" cy="0"/>
+          <a:chOff x="0" y="0"/>
+          <a:chExt cx="0" cy="0"/>
+        </a:xfrm>
+      </p:grpSpPr>
+      <p:sp>
+        <p:nvSpPr>
+          <p:cNvPr id="2" name="Slide Image Placeholder 1"/>
+          <p:cNvSpPr>
+            <a:spLocks noGrp="1" noRot="1" noChangeAspect="1"/>
+          </p:cNvSpPr>
+          <p:nvPr>
+            <p:ph type="sldImg"/>
+          </p:nvPr>
+        </p:nvSpPr>
+        <p:spPr/>
+      </p:sp>
+      <p:sp>
+        <p:nvSpPr>
+          <p:cNvPr id="3" name="Notes Placeholder 2"/>
+          <p:cNvSpPr>
+            <a:spLocks noGrp="1"/>
+          </p:cNvSpPr>
+          <p:nvPr>
+            <p:ph type="body" idx="1"/>
+          </p:nvPr>
+        </p:nvSpPr>
+        <p:spPr/>
+        <p:txBody>
+          <a:bodyPr/>
+          <a:lstStyle/>
+          <a:p>
+            <a:r>
+              <a:rPr lang="en-US" dirty="0"/>
+              <a:t>The last time I had a drive-by I sent 10 unanswered emails before they scheduled a meeting on my calendar to present deliverables we never agreed upon. I guess I can say I was lucky in that they weren’t a leader but a direct report of a leader. I had to pull in their boss and my boss for us to decide on a plan. Analytics in general is collaborative and in general agile and dynamic. Remember you are the expert, and you should create the solution for the problem. We ended up creating a very good relationship with this individual. Sometimes we have them come in and tell their story to new leaders about the services we provide and how we collaborate with our work products. Don’t be afraid to stand up for what you need to successful produce meaningful </a:t>
+            </a:r>
+            <a:r>
+              <a:rPr lang="en-US"/>
+              <a:t>work products.</a:t>
+            </a:r>
+            <a:endParaRPr lang="en-US" dirty="0"/>
+          </a:p>
+        </p:txBody>
+      </p:sp>
+      <p:sp>
+        <p:nvSpPr>
+          <p:cNvPr id="4" name="Slide Number Placeholder 3"/>
+          <p:cNvSpPr>
+            <a:spLocks noGrp="1"/>
+          </p:cNvSpPr>
+          <p:nvPr>
+            <p:ph type="sldNum" sz="quarter" idx="5"/>
+          </p:nvPr>
+        </p:nvSpPr>
+        <p:spPr/>
+        <p:txBody>
+          <a:bodyPr/>
+          <a:lstStyle/>
+          <a:p>
+            <a:fld id="{139C53EF-3B96-014C-86F8-3F7CC519F1B0}" type="slidenum">
+              <a:rPr lang="en-US" smtClean="0"/>
+              <a:t>9</a:t>
+            </a:fld>
+            <a:endParaRPr lang="en-US"/>
+          </a:p>
+        </p:txBody>
+      </p:sp>
+    </p:spTree>
+    <p:extLst>
+      <p:ext uri="{BB962C8B-B14F-4D97-AF65-F5344CB8AC3E}">
+        <p14:creationId xmlns:p14="http://schemas.microsoft.com/office/powerpoint/2010/main" val="343223940"/>
       </p:ext>
     </p:extLst>
   </p:cSld>
@@ -4573,7 +4663,7 @@
           <a:p>
             <a:fld id="{FB8F4844-82E0-B642-B5BB-8DCA68BF2A54}" type="datetimeFigureOut">
               <a:rPr lang="en-US" smtClean="0"/>
-              <a:t>8/10/2021</a:t>
+              <a:t>8/10/21</a:t>
             </a:fld>
             <a:endParaRPr lang="en-US"/>
           </a:p>
@@ -4771,7 +4861,7 @@
           <a:p>
             <a:fld id="{FB8F4844-82E0-B642-B5BB-8DCA68BF2A54}" type="datetimeFigureOut">
               <a:rPr lang="en-US" smtClean="0"/>
-              <a:t>8/10/2021</a:t>
+              <a:t>8/10/21</a:t>
             </a:fld>
             <a:endParaRPr lang="en-US"/>
           </a:p>
@@ -4979,7 +5069,7 @@
           <a:p>
             <a:fld id="{FB8F4844-82E0-B642-B5BB-8DCA68BF2A54}" type="datetimeFigureOut">
               <a:rPr lang="en-US" smtClean="0"/>
-              <a:t>8/10/2021</a:t>
+              <a:t>8/10/21</a:t>
             </a:fld>
             <a:endParaRPr lang="en-US"/>
           </a:p>
@@ -5177,7 +5267,7 @@
           <a:p>
             <a:fld id="{FB8F4844-82E0-B642-B5BB-8DCA68BF2A54}" type="datetimeFigureOut">
               <a:rPr lang="en-US" smtClean="0"/>
-              <a:t>8/10/2021</a:t>
+              <a:t>8/10/21</a:t>
             </a:fld>
             <a:endParaRPr lang="en-US"/>
           </a:p>
@@ -5452,7 +5542,7 @@
           <a:p>
             <a:fld id="{FB8F4844-82E0-B642-B5BB-8DCA68BF2A54}" type="datetimeFigureOut">
               <a:rPr lang="en-US" smtClean="0"/>
-              <a:t>8/10/2021</a:t>
+              <a:t>8/10/21</a:t>
             </a:fld>
             <a:endParaRPr lang="en-US"/>
           </a:p>
@@ -5717,7 +5807,7 @@
           <a:p>
             <a:fld id="{FB8F4844-82E0-B642-B5BB-8DCA68BF2A54}" type="datetimeFigureOut">
               <a:rPr lang="en-US" smtClean="0"/>
-              <a:t>8/10/2021</a:t>
+              <a:t>8/10/21</a:t>
             </a:fld>
             <a:endParaRPr lang="en-US"/>
           </a:p>
@@ -6129,7 +6219,7 @@
           <a:p>
             <a:fld id="{FB8F4844-82E0-B642-B5BB-8DCA68BF2A54}" type="datetimeFigureOut">
               <a:rPr lang="en-US" smtClean="0"/>
-              <a:t>8/10/2021</a:t>
+              <a:t>8/10/21</a:t>
             </a:fld>
             <a:endParaRPr lang="en-US"/>
           </a:p>
@@ -6270,7 +6360,7 @@
           <a:p>
             <a:fld id="{FB8F4844-82E0-B642-B5BB-8DCA68BF2A54}" type="datetimeFigureOut">
               <a:rPr lang="en-US" smtClean="0"/>
-              <a:t>8/10/2021</a:t>
+              <a:t>8/10/21</a:t>
             </a:fld>
             <a:endParaRPr lang="en-US"/>
           </a:p>
@@ -6383,7 +6473,7 @@
           <a:p>
             <a:fld id="{FB8F4844-82E0-B642-B5BB-8DCA68BF2A54}" type="datetimeFigureOut">
               <a:rPr lang="en-US" smtClean="0"/>
-              <a:t>8/10/2021</a:t>
+              <a:t>8/10/21</a:t>
             </a:fld>
             <a:endParaRPr lang="en-US"/>
           </a:p>
@@ -6694,7 +6784,7 @@
           <a:p>
             <a:fld id="{FB8F4844-82E0-B642-B5BB-8DCA68BF2A54}" type="datetimeFigureOut">
               <a:rPr lang="en-US" smtClean="0"/>
-              <a:t>8/10/2021</a:t>
+              <a:t>8/10/21</a:t>
             </a:fld>
             <a:endParaRPr lang="en-US"/>
           </a:p>
@@ -6982,7 +7072,7 @@
           <a:p>
             <a:fld id="{FB8F4844-82E0-B642-B5BB-8DCA68BF2A54}" type="datetimeFigureOut">
               <a:rPr lang="en-US" smtClean="0"/>
-              <a:t>8/10/2021</a:t>
+              <a:t>8/10/21</a:t>
             </a:fld>
             <a:endParaRPr lang="en-US"/>
           </a:p>
@@ -7223,7 +7313,7 @@
           <a:p>
             <a:fld id="{FB8F4844-82E0-B642-B5BB-8DCA68BF2A54}" type="datetimeFigureOut">
               <a:rPr lang="en-US" smtClean="0"/>
-              <a:t>8/10/2021</a:t>
+              <a:t>8/10/21</a:t>
             </a:fld>
             <a:endParaRPr lang="en-US"/>
           </a:p>
@@ -13203,7 +13293,7 @@
           <p:nvPr/>
         </p:nvPicPr>
         <p:blipFill>
-          <a:blip r:embed="rId2"/>
+          <a:blip r:embed="rId3"/>
           <a:stretch>
             <a:fillRect/>
           </a:stretch>
